--- a/Docs/Powerpoint/Presentation_synox_v1.pptx
+++ b/Docs/Powerpoint/Presentation_synox_v1.pptx
@@ -6790,7 +6790,7 @@
           <a:p>
             <a:fld id="{0A9064C7-4D96-416C-8D63-2B74CC15798F}" type="datetimeFigureOut">
               <a:rPr lang="fr-FR" smtClean="0"/>
-              <a:t>06/02/2012</a:t>
+              <a:t>07/02/2012</a:t>
             </a:fld>
             <a:endParaRPr lang="fr-FR"/>
           </a:p>
@@ -11252,7 +11252,7 @@
           <a:p>
             <a:fld id="{D776445B-E549-4F84-9A4B-C3A6B2CFD434}" type="datetime1">
               <a:rPr lang="fr-FR" smtClean="0"/>
-              <a:t>06/02/2012</a:t>
+              <a:t>07/02/2012</a:t>
             </a:fld>
             <a:endParaRPr lang="fr-FR"/>
           </a:p>
@@ -11437,7 +11437,7 @@
           <a:p>
             <a:fld id="{F4B833FD-94EE-4C87-B1A3-2667D06D09C2}" type="datetime1">
               <a:rPr lang="fr-FR" smtClean="0"/>
-              <a:t>06/02/2012</a:t>
+              <a:t>07/02/2012</a:t>
             </a:fld>
             <a:endParaRPr lang="fr-FR"/>
           </a:p>
@@ -11592,7 +11592,7 @@
           <a:p>
             <a:fld id="{60D4D446-48DC-488A-ABBB-EDA50AD93185}" type="datetime1">
               <a:rPr lang="fr-FR" smtClean="0"/>
-              <a:t>06/02/2012</a:t>
+              <a:t>07/02/2012</a:t>
             </a:fld>
             <a:endParaRPr lang="fr-FR"/>
           </a:p>
@@ -13422,7 +13422,7 @@
           <a:p>
             <a:fld id="{5CF968CD-1D94-4AA8-BE27-232F6CE57901}" type="datetime1">
               <a:rPr lang="fr-FR" smtClean="0"/>
-              <a:t>06/02/2012</a:t>
+              <a:t>07/02/2012</a:t>
             </a:fld>
             <a:endParaRPr lang="fr-FR"/>
           </a:p>
@@ -15296,7 +15296,7 @@
           <a:p>
             <a:fld id="{75B2CDA7-B068-4621-B4D9-3DDB8B91B38A}" type="datetime1">
               <a:rPr lang="fr-FR" smtClean="0"/>
-              <a:t>06/02/2012</a:t>
+              <a:t>07/02/2012</a:t>
             </a:fld>
             <a:endParaRPr lang="fr-FR"/>
           </a:p>
@@ -15413,7 +15413,7 @@
           <a:p>
             <a:fld id="{83EA25D0-42FB-4CDC-9892-65CD64DF00B3}" type="datetime1">
               <a:rPr lang="fr-FR" smtClean="0"/>
-              <a:t>06/02/2012</a:t>
+              <a:t>07/02/2012</a:t>
             </a:fld>
             <a:endParaRPr lang="fr-FR"/>
           </a:p>
@@ -15958,7 +15958,7 @@
           <a:p>
             <a:fld id="{43168C2F-CF64-45ED-A8E9-3953D238B31F}" type="datetime1">
               <a:rPr lang="fr-FR" smtClean="0"/>
-              <a:t>06/02/2012</a:t>
+              <a:t>07/02/2012</a:t>
             </a:fld>
             <a:endParaRPr lang="fr-FR"/>
           </a:p>
@@ -16075,7 +16075,7 @@
           <a:p>
             <a:fld id="{BFD2B849-B704-4622-A00D-2128D3F8B114}" type="datetime1">
               <a:rPr lang="fr-FR" smtClean="0"/>
-              <a:t>06/02/2012</a:t>
+              <a:t>07/02/2012</a:t>
             </a:fld>
             <a:endParaRPr lang="fr-FR"/>
           </a:p>
@@ -17790,7 +17790,7 @@
           <a:p>
             <a:fld id="{C7AD60F2-4905-4853-94FB-F019ADC7526F}" type="datetime1">
               <a:rPr lang="fr-FR" smtClean="0"/>
-              <a:t>06/02/2012</a:t>
+              <a:t>07/02/2012</a:t>
             </a:fld>
             <a:endParaRPr lang="fr-FR"/>
           </a:p>
@@ -17945,7 +17945,7 @@
           <a:p>
             <a:fld id="{A58F0D13-DEAD-4901-AA91-9F7DEFBC15B3}" type="datetime1">
               <a:rPr lang="fr-FR" smtClean="0"/>
-              <a:t>06/02/2012</a:t>
+              <a:t>07/02/2012</a:t>
             </a:fld>
             <a:endParaRPr lang="fr-FR"/>
           </a:p>
@@ -21564,7 +21564,7 @@
           <a:p>
             <a:fld id="{7CB49C41-79CC-4D95-AB26-67F93FAE2A07}" type="datetime1">
               <a:rPr lang="fr-FR" smtClean="0"/>
-              <a:t>06/02/2012</a:t>
+              <a:t>07/02/2012</a:t>
             </a:fld>
             <a:endParaRPr lang="fr-FR"/>
           </a:p>
@@ -23427,7 +23427,7 @@
           <a:p>
             <a:fld id="{1D6CF391-482B-4E1C-B257-DA488CA8946C}" type="datetime1">
               <a:rPr lang="fr-FR" smtClean="0"/>
-              <a:t>06/02/2012</a:t>
+              <a:t>07/02/2012</a:t>
             </a:fld>
             <a:endParaRPr lang="fr-FR"/>
           </a:p>
@@ -24148,6 +24148,13 @@
   <p:clrMapOvr>
     <a:masterClrMapping/>
   </p:clrMapOvr>
+  <p:timing>
+    <p:tnLst>
+      <p:par>
+        <p:cTn id="1" dur="indefinite" restart="never" nodeType="tmRoot"/>
+      </p:par>
+    </p:tnLst>
+  </p:timing>
 </p:sld>
 </file>
 
@@ -24270,7 +24277,7 @@
       </p:sp>
       <p:pic>
         <p:nvPicPr>
-          <p:cNvPr id="4" name="Picture 2" descr="C:\Users\Cindy\Documents\IG4\Projet Industriel\Projet Néorizon\Soutenance\Images\VisualStudio.net.png"/>
+          <p:cNvPr id="5" name="Picture 3" descr="C:\Users\Cindy\Documents\IG4\Projet Industriel\Projet Néorizon\Soutenance\Images\c#.jpg"/>
           <p:cNvPicPr>
             <a:picLocks noChangeAspect="1" noChangeArrowheads="1"/>
           </p:cNvPicPr>
@@ -24291,49 +24298,8 @@
         </p:blipFill>
         <p:spPr bwMode="auto">
           <a:xfrm>
-            <a:off x="5436096" y="5487704"/>
-            <a:ext cx="2355633" cy="589063"/>
-          </a:xfrm>
-          <a:prstGeom prst="rect">
-            <a:avLst/>
-          </a:prstGeom>
-          <a:noFill/>
-          <a:extLst>
-            <a:ext uri="{909E8E84-426E-40DD-AFC4-6F175D3DCCD1}">
-              <a14:hiddenFill xmlns:a14="http://schemas.microsoft.com/office/drawing/2010/main">
-                <a:solidFill>
-                  <a:srgbClr val="FFFFFF"/>
-                </a:solidFill>
-              </a14:hiddenFill>
-            </a:ext>
-          </a:extLst>
-        </p:spPr>
-      </p:pic>
-      <p:pic>
-        <p:nvPicPr>
-          <p:cNvPr id="5" name="Picture 3" descr="C:\Users\Cindy\Documents\IG4\Projet Industriel\Projet Néorizon\Soutenance\Images\c#.jpg"/>
-          <p:cNvPicPr>
-            <a:picLocks noChangeAspect="1" noChangeArrowheads="1"/>
-          </p:cNvPicPr>
-          <p:nvPr/>
-        </p:nvPicPr>
-        <p:blipFill>
-          <a:blip r:embed="rId4" cstate="print">
-            <a:extLst>
-              <a:ext uri="{28A0092B-C50C-407E-A947-70E740481C1C}">
-                <a14:useLocalDpi xmlns:a14="http://schemas.microsoft.com/office/drawing/2010/main" val="0"/>
-              </a:ext>
-            </a:extLst>
-          </a:blip>
-          <a:srcRect/>
-          <a:stretch>
-            <a:fillRect/>
-          </a:stretch>
-        </p:blipFill>
-        <p:spPr bwMode="auto">
-          <a:xfrm>
-            <a:off x="6993547" y="5078297"/>
-            <a:ext cx="818814" cy="818814"/>
+            <a:off x="6096616" y="2708920"/>
+            <a:ext cx="1610901" cy="1610901"/>
           </a:xfrm>
           <a:prstGeom prst="rect">
             <a:avLst/>
@@ -24396,6 +24362,70 @@
           </a:p>
         </p:txBody>
       </p:sp>
+      <p:pic>
+        <p:nvPicPr>
+          <p:cNvPr id="2050" name="Picture 2"/>
+          <p:cNvPicPr>
+            <a:picLocks noChangeAspect="1" noChangeArrowheads="1"/>
+          </p:cNvPicPr>
+          <p:nvPr/>
+        </p:nvPicPr>
+        <p:blipFill>
+          <a:blip r:embed="rId4">
+            <a:extLst>
+              <a:ext uri="{28A0092B-C50C-407E-A947-70E740481C1C}">
+                <a14:useLocalDpi xmlns:a14="http://schemas.microsoft.com/office/drawing/2010/main" val="0"/>
+              </a:ext>
+            </a:extLst>
+          </a:blip>
+          <a:srcRect/>
+          <a:stretch>
+            <a:fillRect/>
+          </a:stretch>
+        </p:blipFill>
+        <p:spPr bwMode="auto">
+          <a:xfrm>
+            <a:off x="5597426" y="5238846"/>
+            <a:ext cx="2609280" cy="1014977"/>
+          </a:xfrm>
+          <a:prstGeom prst="rect">
+            <a:avLst/>
+          </a:prstGeom>
+          <a:noFill/>
+          <a:ln>
+            <a:noFill/>
+          </a:ln>
+          <a:effectLst/>
+          <a:extLst>
+            <a:ext uri="{909E8E84-426E-40DD-AFC4-6F175D3DCCD1}">
+              <a14:hiddenFill xmlns:a14="http://schemas.microsoft.com/office/drawing/2010/main">
+                <a:solidFill>
+                  <a:schemeClr val="accent1"/>
+                </a:solidFill>
+              </a14:hiddenFill>
+            </a:ext>
+            <a:ext uri="{91240B29-F687-4F45-9708-019B960494DF}">
+              <a14:hiddenLine xmlns:a14="http://schemas.microsoft.com/office/drawing/2010/main" w="9525">
+                <a:solidFill>
+                  <a:schemeClr val="tx1"/>
+                </a:solidFill>
+                <a:miter lim="800000"/>
+                <a:headEnd/>
+                <a:tailEnd/>
+              </a14:hiddenLine>
+            </a:ext>
+            <a:ext uri="{AF507438-7753-43E0-B8FC-AC1667EBCBE1}">
+              <a14:hiddenEffects xmlns:a14="http://schemas.microsoft.com/office/drawing/2010/main">
+                <a:effectLst>
+                  <a:outerShdw dist="35921" dir="2700000" algn="ctr" rotWithShape="0">
+                    <a:schemeClr val="bg2"/>
+                  </a:outerShdw>
+                </a:effectLst>
+              </a14:hiddenEffects>
+            </a:ext>
+          </a:extLst>
+        </p:spPr>
+      </p:pic>
     </p:spTree>
     <p:extLst>
       <p:ext uri="{BB962C8B-B14F-4D97-AF65-F5344CB8AC3E}">
@@ -24406,6 +24436,13 @@
   <p:clrMapOvr>
     <a:masterClrMapping/>
   </p:clrMapOvr>
+  <p:timing>
+    <p:tnLst>
+      <p:par>
+        <p:cTn id="1" dur="indefinite" restart="never" nodeType="tmRoot"/>
+      </p:par>
+    </p:tnLst>
+  </p:timing>
 </p:sld>
 </file>
 
@@ -24540,6 +24577,88 @@
           </a:p>
         </p:txBody>
       </p:sp>
+      <p:pic>
+        <p:nvPicPr>
+          <p:cNvPr id="3074" name="Picture 2" descr="http://www.desfrenes.com/upload/image/blog/octocat.png"/>
+          <p:cNvPicPr>
+            <a:picLocks noChangeAspect="1" noChangeArrowheads="1"/>
+          </p:cNvPicPr>
+          <p:nvPr/>
+        </p:nvPicPr>
+        <p:blipFill>
+          <a:blip r:embed="rId3" cstate="print">
+            <a:extLst>
+              <a:ext uri="{28A0092B-C50C-407E-A947-70E740481C1C}">
+                <a14:useLocalDpi xmlns:a14="http://schemas.microsoft.com/office/drawing/2010/main" val="0"/>
+              </a:ext>
+            </a:extLst>
+          </a:blip>
+          <a:srcRect/>
+          <a:stretch>
+            <a:fillRect/>
+          </a:stretch>
+        </p:blipFill>
+        <p:spPr bwMode="auto">
+          <a:xfrm>
+            <a:off x="6300192" y="2850239"/>
+            <a:ext cx="1934344" cy="1934345"/>
+          </a:xfrm>
+          <a:prstGeom prst="rect">
+            <a:avLst/>
+          </a:prstGeom>
+          <a:noFill/>
+          <a:extLst>
+            <a:ext uri="{909E8E84-426E-40DD-AFC4-6F175D3DCCD1}">
+              <a14:hiddenFill xmlns:a14="http://schemas.microsoft.com/office/drawing/2010/main">
+                <a:solidFill>
+                  <a:srgbClr val="FFFFFF"/>
+                </a:solidFill>
+              </a14:hiddenFill>
+            </a:ext>
+          </a:extLst>
+        </p:spPr>
+      </p:pic>
+      <p:pic>
+        <p:nvPicPr>
+          <p:cNvPr id="3076" name="Picture 4" descr="http://jaysmith.us/image.axd?picture=ms-project-logo_thumb.jpg"/>
+          <p:cNvPicPr>
+            <a:picLocks noChangeAspect="1" noChangeArrowheads="1"/>
+          </p:cNvPicPr>
+          <p:nvPr/>
+        </p:nvPicPr>
+        <p:blipFill>
+          <a:blip r:embed="rId4">
+            <a:extLst>
+              <a:ext uri="{28A0092B-C50C-407E-A947-70E740481C1C}">
+                <a14:useLocalDpi xmlns:a14="http://schemas.microsoft.com/office/drawing/2010/main" val="0"/>
+              </a:ext>
+            </a:extLst>
+          </a:blip>
+          <a:srcRect/>
+          <a:stretch>
+            <a:fillRect/>
+          </a:stretch>
+        </p:blipFill>
+        <p:spPr bwMode="auto">
+          <a:xfrm>
+            <a:off x="4129980" y="5085184"/>
+            <a:ext cx="2530252" cy="915951"/>
+          </a:xfrm>
+          <a:prstGeom prst="rect">
+            <a:avLst/>
+          </a:prstGeom>
+          <a:noFill/>
+          <a:extLst>
+            <a:ext uri="{909E8E84-426E-40DD-AFC4-6F175D3DCCD1}">
+              <a14:hiddenFill xmlns:a14="http://schemas.microsoft.com/office/drawing/2010/main">
+                <a:solidFill>
+                  <a:srgbClr val="FFFFFF"/>
+                </a:solidFill>
+              </a14:hiddenFill>
+            </a:ext>
+          </a:extLst>
+        </p:spPr>
+      </p:pic>
     </p:spTree>
     <p:extLst>
       <p:ext uri="{BB962C8B-B14F-4D97-AF65-F5344CB8AC3E}">
@@ -24550,6 +24669,13 @@
   <p:clrMapOvr>
     <a:masterClrMapping/>
   </p:clrMapOvr>
+  <p:timing>
+    <p:tnLst>
+      <p:par>
+        <p:cTn id="1" dur="indefinite" restart="never" nodeType="tmRoot"/>
+      </p:par>
+    </p:tnLst>
+  </p:timing>
 </p:sld>
 </file>
 
@@ -25167,6 +25293,13 @@
   <p:clrMapOvr>
     <a:masterClrMapping/>
   </p:clrMapOvr>
+  <p:timing>
+    <p:tnLst>
+      <p:par>
+        <p:cTn id="1" dur="indefinite" restart="never" nodeType="tmRoot"/>
+      </p:par>
+    </p:tnLst>
+  </p:timing>
 </p:sld>
 </file>
 
@@ -25288,6 +25421,13 @@
   <p:clrMapOvr>
     <a:masterClrMapping/>
   </p:clrMapOvr>
+  <p:timing>
+    <p:tnLst>
+      <p:par>
+        <p:cTn id="1" dur="indefinite" restart="never" nodeType="tmRoot"/>
+      </p:par>
+    </p:tnLst>
+  </p:timing>
 </p:sld>
 </file>
 
@@ -25482,6 +25622,13 @@
   <p:clrMapOvr>
     <a:masterClrMapping/>
   </p:clrMapOvr>
+  <p:timing>
+    <p:tnLst>
+      <p:par>
+        <p:cTn id="1" dur="indefinite" restart="never" nodeType="tmRoot"/>
+      </p:par>
+    </p:tnLst>
+  </p:timing>
 </p:sld>
 </file>
 
@@ -27030,6 +27177,13 @@
   <p:clrMapOvr>
     <a:masterClrMapping/>
   </p:clrMapOvr>
+  <p:timing>
+    <p:tnLst>
+      <p:par>
+        <p:cTn id="1" dur="indefinite" restart="never" nodeType="tmRoot"/>
+      </p:par>
+    </p:tnLst>
+  </p:timing>
 </p:sld>
 </file>
 
@@ -27194,6 +27348,13 @@
   <p:clrMapOvr>
     <a:masterClrMapping/>
   </p:clrMapOvr>
+  <p:timing>
+    <p:tnLst>
+      <p:par>
+        <p:cTn id="1" dur="indefinite" restart="never" nodeType="tmRoot"/>
+      </p:par>
+    </p:tnLst>
+  </p:timing>
 </p:sld>
 </file>
 
@@ -27348,6 +27509,13 @@
   <p:clrMapOvr>
     <a:masterClrMapping/>
   </p:clrMapOvr>
+  <p:timing>
+    <p:tnLst>
+      <p:par>
+        <p:cTn id="1" dur="indefinite" restart="never" nodeType="tmRoot"/>
+      </p:par>
+    </p:tnLst>
+  </p:timing>
 </p:sld>
 </file>
 
@@ -27502,6 +27670,13 @@
   <p:clrMapOvr>
     <a:masterClrMapping/>
   </p:clrMapOvr>
+  <p:timing>
+    <p:tnLst>
+      <p:par>
+        <p:cTn id="1" dur="indefinite" restart="never" nodeType="tmRoot"/>
+      </p:par>
+    </p:tnLst>
+  </p:timing>
 </p:sld>
 </file>
 
@@ -27569,13 +27744,6 @@
             <a:pPr lvl="1"/>
             <a:endParaRPr lang="fr-FR" dirty="0"/>
           </a:p>
-          <a:p>
-            <a:r>
-              <a:rPr lang="fr-FR" dirty="0" smtClean="0"/>
-              <a:t>Schéma liaison interface - service</a:t>
-            </a:r>
-            <a:endParaRPr lang="fr-FR" dirty="0"/>
-          </a:p>
         </p:txBody>
       </p:sp>
       <p:sp>
@@ -27647,6 +27815,299 @@
           </a:p>
         </p:txBody>
       </p:sp>
+      <p:pic>
+        <p:nvPicPr>
+          <p:cNvPr id="4098" name="Picture 2" descr="http://www.inside-iam.com/wp-content/uploads/2011/06/sql_server_2008_logo.png"/>
+          <p:cNvPicPr>
+            <a:picLocks noChangeAspect="1" noChangeArrowheads="1"/>
+          </p:cNvPicPr>
+          <p:nvPr/>
+        </p:nvPicPr>
+        <p:blipFill>
+          <a:blip r:embed="rId3" cstate="print">
+            <a:extLst>
+              <a:ext uri="{28A0092B-C50C-407E-A947-70E740481C1C}">
+                <a14:useLocalDpi xmlns:a14="http://schemas.microsoft.com/office/drawing/2010/main" val="0"/>
+              </a:ext>
+            </a:extLst>
+          </a:blip>
+          <a:srcRect/>
+          <a:stretch>
+            <a:fillRect/>
+          </a:stretch>
+        </p:blipFill>
+        <p:spPr bwMode="auto">
+          <a:xfrm>
+            <a:off x="5452142" y="2708920"/>
+            <a:ext cx="2187653" cy="1368152"/>
+          </a:xfrm>
+          <a:prstGeom prst="rect">
+            <a:avLst/>
+          </a:prstGeom>
+          <a:noFill/>
+          <a:extLst>
+            <a:ext uri="{909E8E84-426E-40DD-AFC4-6F175D3DCCD1}">
+              <a14:hiddenFill xmlns:a14="http://schemas.microsoft.com/office/drawing/2010/main">
+                <a:solidFill>
+                  <a:srgbClr val="FFFFFF"/>
+                </a:solidFill>
+              </a14:hiddenFill>
+            </a:ext>
+          </a:extLst>
+        </p:spPr>
+      </p:pic>
+      <p:pic>
+        <p:nvPicPr>
+          <p:cNvPr id="4099" name="Picture 3"/>
+          <p:cNvPicPr>
+            <a:picLocks noChangeAspect="1" noChangeArrowheads="1"/>
+          </p:cNvPicPr>
+          <p:nvPr/>
+        </p:nvPicPr>
+        <p:blipFill>
+          <a:blip r:embed="rId4" cstate="print">
+            <a:extLst>
+              <a:ext uri="{28A0092B-C50C-407E-A947-70E740481C1C}">
+                <a14:useLocalDpi xmlns:a14="http://schemas.microsoft.com/office/drawing/2010/main" val="0"/>
+              </a:ext>
+            </a:extLst>
+          </a:blip>
+          <a:srcRect/>
+          <a:stretch>
+            <a:fillRect/>
+          </a:stretch>
+        </p:blipFill>
+        <p:spPr bwMode="auto">
+          <a:xfrm>
+            <a:off x="755576" y="4869160"/>
+            <a:ext cx="1393824" cy="1393824"/>
+          </a:xfrm>
+          <a:prstGeom prst="rect">
+            <a:avLst/>
+          </a:prstGeom>
+          <a:noFill/>
+          <a:ln>
+            <a:noFill/>
+          </a:ln>
+          <a:effectLst/>
+          <a:extLst>
+            <a:ext uri="{909E8E84-426E-40DD-AFC4-6F175D3DCCD1}">
+              <a14:hiddenFill xmlns:a14="http://schemas.microsoft.com/office/drawing/2010/main">
+                <a:solidFill>
+                  <a:schemeClr val="accent1"/>
+                </a:solidFill>
+              </a14:hiddenFill>
+            </a:ext>
+            <a:ext uri="{91240B29-F687-4F45-9708-019B960494DF}">
+              <a14:hiddenLine xmlns:a14="http://schemas.microsoft.com/office/drawing/2010/main" w="9525">
+                <a:solidFill>
+                  <a:schemeClr val="tx1"/>
+                </a:solidFill>
+                <a:miter lim="800000"/>
+                <a:headEnd/>
+                <a:tailEnd/>
+              </a14:hiddenLine>
+            </a:ext>
+            <a:ext uri="{AF507438-7753-43E0-B8FC-AC1667EBCBE1}">
+              <a14:hiddenEffects xmlns:a14="http://schemas.microsoft.com/office/drawing/2010/main">
+                <a:effectLst>
+                  <a:outerShdw dist="35921" dir="2700000" algn="ctr" rotWithShape="0">
+                    <a:schemeClr val="bg2"/>
+                  </a:outerShdw>
+                </a:effectLst>
+              </a14:hiddenEffects>
+            </a:ext>
+          </a:extLst>
+        </p:spPr>
+      </p:pic>
+      <p:sp>
+        <p:nvSpPr>
+          <p:cNvPr id="4" name="Can 3"/>
+          <p:cNvSpPr/>
+          <p:nvPr/>
+        </p:nvSpPr>
+        <p:spPr>
+          <a:xfrm>
+            <a:off x="4193373" y="4954004"/>
+            <a:ext cx="1080120" cy="1224136"/>
+          </a:xfrm>
+          <a:prstGeom prst="can">
+            <a:avLst/>
+          </a:prstGeom>
+        </p:spPr>
+        <p:style>
+          <a:lnRef idx="2">
+            <a:schemeClr val="accent1">
+              <a:shade val="50000"/>
+            </a:schemeClr>
+          </a:lnRef>
+          <a:fillRef idx="1">
+            <a:schemeClr val="accent1"/>
+          </a:fillRef>
+          <a:effectRef idx="0">
+            <a:schemeClr val="accent1"/>
+          </a:effectRef>
+          <a:fontRef idx="minor">
+            <a:schemeClr val="lt1"/>
+          </a:fontRef>
+        </p:style>
+        <p:txBody>
+          <a:bodyPr rtlCol="0" anchor="ctr"/>
+          <a:lstStyle/>
+          <a:p>
+            <a:pPr algn="ctr"/>
+            <a:r>
+              <a:rPr lang="fr-FR" dirty="0" smtClean="0"/>
+              <a:t>Base de données</a:t>
+            </a:r>
+            <a:endParaRPr lang="fr-FR" dirty="0"/>
+          </a:p>
+        </p:txBody>
+      </p:sp>
+      <p:pic>
+        <p:nvPicPr>
+          <p:cNvPr id="10" name="Picture 2"/>
+          <p:cNvPicPr>
+            <a:picLocks noChangeAspect="1" noChangeArrowheads="1"/>
+          </p:cNvPicPr>
+          <p:nvPr/>
+        </p:nvPicPr>
+        <p:blipFill>
+          <a:blip r:embed="rId5" cstate="print">
+            <a:extLst>
+              <a:ext uri="{28A0092B-C50C-407E-A947-70E740481C1C}">
+                <a14:useLocalDpi xmlns:a14="http://schemas.microsoft.com/office/drawing/2010/main" val="0"/>
+              </a:ext>
+            </a:extLst>
+          </a:blip>
+          <a:srcRect/>
+          <a:stretch>
+            <a:fillRect/>
+          </a:stretch>
+        </p:blipFill>
+        <p:spPr bwMode="auto">
+          <a:xfrm>
+            <a:off x="7308304" y="4811684"/>
+            <a:ext cx="982677" cy="1462733"/>
+          </a:xfrm>
+          <a:prstGeom prst="rect">
+            <a:avLst/>
+          </a:prstGeom>
+          <a:noFill/>
+          <a:ln>
+            <a:noFill/>
+          </a:ln>
+          <a:effectLst/>
+          <a:extLst>
+            <a:ext uri="{909E8E84-426E-40DD-AFC4-6F175D3DCCD1}">
+              <a14:hiddenFill xmlns:a14="http://schemas.microsoft.com/office/drawing/2010/main">
+                <a:solidFill>
+                  <a:schemeClr val="accent1"/>
+                </a:solidFill>
+              </a14:hiddenFill>
+            </a:ext>
+            <a:ext uri="{91240B29-F687-4F45-9708-019B960494DF}">
+              <a14:hiddenLine xmlns:a14="http://schemas.microsoft.com/office/drawing/2010/main" w="9525">
+                <a:solidFill>
+                  <a:schemeClr val="tx1"/>
+                </a:solidFill>
+                <a:miter lim="800000"/>
+                <a:headEnd/>
+                <a:tailEnd/>
+              </a14:hiddenLine>
+            </a:ext>
+            <a:ext uri="{AF507438-7753-43E0-B8FC-AC1667EBCBE1}">
+              <a14:hiddenEffects xmlns:a14="http://schemas.microsoft.com/office/drawing/2010/main">
+                <a:effectLst>
+                  <a:outerShdw dist="35921" dir="2700000" algn="ctr" rotWithShape="0">
+                    <a:schemeClr val="bg2"/>
+                  </a:outerShdw>
+                </a:effectLst>
+              </a14:hiddenEffects>
+            </a:ext>
+          </a:extLst>
+        </p:spPr>
+      </p:pic>
+      <p:sp>
+        <p:nvSpPr>
+          <p:cNvPr id="8" name="Left-Right Arrow 7"/>
+          <p:cNvSpPr/>
+          <p:nvPr/>
+        </p:nvSpPr>
+        <p:spPr>
+          <a:xfrm>
+            <a:off x="2267744" y="5409995"/>
+            <a:ext cx="1702520" cy="312154"/>
+          </a:xfrm>
+          <a:prstGeom prst="leftRightArrow">
+            <a:avLst/>
+          </a:prstGeom>
+        </p:spPr>
+        <p:style>
+          <a:lnRef idx="2">
+            <a:schemeClr val="accent1">
+              <a:shade val="50000"/>
+            </a:schemeClr>
+          </a:lnRef>
+          <a:fillRef idx="1">
+            <a:schemeClr val="accent1"/>
+          </a:fillRef>
+          <a:effectRef idx="0">
+            <a:schemeClr val="accent1"/>
+          </a:effectRef>
+          <a:fontRef idx="minor">
+            <a:schemeClr val="lt1"/>
+          </a:fontRef>
+        </p:style>
+        <p:txBody>
+          <a:bodyPr rtlCol="0" anchor="ctr"/>
+          <a:lstStyle/>
+          <a:p>
+            <a:pPr algn="ctr"/>
+            <a:endParaRPr lang="fr-FR"/>
+          </a:p>
+        </p:txBody>
+      </p:sp>
+      <p:sp>
+        <p:nvSpPr>
+          <p:cNvPr id="12" name="Left-Right Arrow 11"/>
+          <p:cNvSpPr/>
+          <p:nvPr/>
+        </p:nvSpPr>
+        <p:spPr>
+          <a:xfrm>
+            <a:off x="5364088" y="5409995"/>
+            <a:ext cx="1702520" cy="312154"/>
+          </a:xfrm>
+          <a:prstGeom prst="leftRightArrow">
+            <a:avLst/>
+          </a:prstGeom>
+        </p:spPr>
+        <p:style>
+          <a:lnRef idx="2">
+            <a:schemeClr val="accent1">
+              <a:shade val="50000"/>
+            </a:schemeClr>
+          </a:lnRef>
+          <a:fillRef idx="1">
+            <a:schemeClr val="accent1"/>
+          </a:fillRef>
+          <a:effectRef idx="0">
+            <a:schemeClr val="accent1"/>
+          </a:effectRef>
+          <a:fontRef idx="minor">
+            <a:schemeClr val="lt1"/>
+          </a:fontRef>
+        </p:style>
+        <p:txBody>
+          <a:bodyPr rtlCol="0" anchor="ctr"/>
+          <a:lstStyle/>
+          <a:p>
+            <a:pPr algn="ctr"/>
+            <a:endParaRPr lang="fr-FR"/>
+          </a:p>
+        </p:txBody>
+      </p:sp>
     </p:spTree>
     <p:extLst>
       <p:ext uri="{BB962C8B-B14F-4D97-AF65-F5344CB8AC3E}">
@@ -27657,6 +28118,13 @@
   <p:clrMapOvr>
     <a:masterClrMapping/>
   </p:clrMapOvr>
+  <p:timing>
+    <p:tnLst>
+      <p:par>
+        <p:cTn id="1" dur="indefinite" restart="never" nodeType="tmRoot"/>
+      </p:par>
+    </p:tnLst>
+  </p:timing>
 </p:sld>
 </file>
 
@@ -27822,6 +28290,13 @@
   <p:clrMapOvr>
     <a:masterClrMapping/>
   </p:clrMapOvr>
+  <p:timing>
+    <p:tnLst>
+      <p:par>
+        <p:cTn id="1" dur="indefinite" restart="never" nodeType="tmRoot"/>
+      </p:par>
+    </p:tnLst>
+  </p:timing>
 </p:sld>
 </file>
 
@@ -27970,6 +28445,13 @@
   <p:clrMapOvr>
     <a:masterClrMapping/>
   </p:clrMapOvr>
+  <p:timing>
+    <p:tnLst>
+      <p:par>
+        <p:cTn id="1" dur="indefinite" restart="never" nodeType="tmRoot"/>
+      </p:par>
+    </p:tnLst>
+  </p:timing>
 </p:sld>
 </file>
 
@@ -28119,6 +28601,45 @@
           </a:p>
         </p:txBody>
       </p:sp>
+      <p:pic>
+        <p:nvPicPr>
+          <p:cNvPr id="5124" name="Picture 4" descr="http://fr.dreamstime.com/graphique-positif-thumb14016062.jpg"/>
+          <p:cNvPicPr>
+            <a:picLocks noChangeAspect="1" noChangeArrowheads="1"/>
+          </p:cNvPicPr>
+          <p:nvPr/>
+        </p:nvPicPr>
+        <p:blipFill rotWithShape="1">
+          <a:blip r:embed="rId3">
+            <a:extLst>
+              <a:ext uri="{28A0092B-C50C-407E-A947-70E740481C1C}">
+                <a14:useLocalDpi xmlns:a14="http://schemas.microsoft.com/office/drawing/2010/main" val="0"/>
+              </a:ext>
+            </a:extLst>
+          </a:blip>
+          <a:srcRect b="8176"/>
+          <a:stretch/>
+        </p:blipFill>
+        <p:spPr bwMode="auto">
+          <a:xfrm>
+            <a:off x="4860032" y="2636912"/>
+            <a:ext cx="3810000" cy="3498471"/>
+          </a:xfrm>
+          <a:prstGeom prst="rect">
+            <a:avLst/>
+          </a:prstGeom>
+          <a:noFill/>
+          <a:extLst>
+            <a:ext uri="{909E8E84-426E-40DD-AFC4-6F175D3DCCD1}">
+              <a14:hiddenFill xmlns:a14="http://schemas.microsoft.com/office/drawing/2010/main">
+                <a:solidFill>
+                  <a:srgbClr val="FFFFFF"/>
+                </a:solidFill>
+              </a14:hiddenFill>
+            </a:ext>
+          </a:extLst>
+        </p:spPr>
+      </p:pic>
     </p:spTree>
     <p:extLst>
       <p:ext uri="{BB962C8B-B14F-4D97-AF65-F5344CB8AC3E}">
@@ -28129,6 +28650,13 @@
   <p:clrMapOvr>
     <a:masterClrMapping/>
   </p:clrMapOvr>
+  <p:timing>
+    <p:tnLst>
+      <p:par>
+        <p:cTn id="1" dur="indefinite" restart="never" nodeType="tmRoot"/>
+      </p:par>
+    </p:tnLst>
+  </p:timing>
 </p:sld>
 </file>
 
@@ -28247,6 +28775,13 @@
   <p:clrMapOvr>
     <a:masterClrMapping/>
   </p:clrMapOvr>
+  <p:timing>
+    <p:tnLst>
+      <p:par>
+        <p:cTn id="1" dur="indefinite" restart="never" nodeType="tmRoot"/>
+      </p:par>
+    </p:tnLst>
+  </p:timing>
 </p:sld>
 </file>
 
@@ -28293,8 +28828,20 @@
           <a:p>
             <a:r>
               <a:rPr lang="fr-FR" dirty="0" smtClean="0"/>
-              <a:t>Problèmes de compatibilité</a:t>
+              <a:t>Problèmes de </a:t>
             </a:r>
+            <a:r>
+              <a:rPr lang="fr-FR" dirty="0" smtClean="0"/>
+              <a:t>compatibilité</a:t>
+            </a:r>
+          </a:p>
+          <a:p>
+            <a:pPr lvl="1"/>
+            <a:r>
+              <a:rPr lang="fr-FR" dirty="0" smtClean="0"/>
+              <a:t>JavaScript avec le Framework .Net</a:t>
+            </a:r>
+            <a:endParaRPr lang="fr-FR" dirty="0" smtClean="0"/>
           </a:p>
           <a:p>
             <a:endParaRPr lang="fr-FR" dirty="0"/>
@@ -28387,6 +28934,13 @@
   <p:clrMapOvr>
     <a:masterClrMapping/>
   </p:clrMapOvr>
+  <p:timing>
+    <p:tnLst>
+      <p:par>
+        <p:cTn id="1" dur="indefinite" restart="never" nodeType="tmRoot"/>
+      </p:par>
+    </p:tnLst>
+  </p:timing>
 </p:sld>
 </file>
 
@@ -28527,6 +29081,13 @@
   <p:clrMapOvr>
     <a:masterClrMapping/>
   </p:clrMapOvr>
+  <p:timing>
+    <p:tnLst>
+      <p:par>
+        <p:cTn id="1" dur="indefinite" restart="never" nodeType="tmRoot"/>
+      </p:par>
+    </p:tnLst>
+  </p:timing>
 </p:sld>
 </file>
 
@@ -28687,6 +29248,13 @@
   <p:clrMapOvr>
     <a:masterClrMapping/>
   </p:clrMapOvr>
+  <p:timing>
+    <p:tnLst>
+      <p:par>
+        <p:cTn id="1" dur="indefinite" restart="never" nodeType="tmRoot"/>
+      </p:par>
+    </p:tnLst>
+  </p:timing>
 </p:sld>
 </file>
 
@@ -28793,6 +29361,13 @@
   <p:clrMapOvr>
     <a:masterClrMapping/>
   </p:clrMapOvr>
+  <p:timing>
+    <p:tnLst>
+      <p:par>
+        <p:cTn id="1" dur="indefinite" restart="never" nodeType="tmRoot"/>
+      </p:par>
+    </p:tnLst>
+  </p:timing>
 </p:sld>
 </file>
 
@@ -28910,6 +29485,13 @@
   <p:clrMapOvr>
     <a:masterClrMapping/>
   </p:clrMapOvr>
+  <p:timing>
+    <p:tnLst>
+      <p:par>
+        <p:cTn id="1" dur="indefinite" restart="never" nodeType="tmRoot"/>
+      </p:par>
+    </p:tnLst>
+  </p:timing>
 </p:sld>
 </file>
 
@@ -29068,6 +29650,13 @@
   <p:clrMapOvr>
     <a:masterClrMapping/>
   </p:clrMapOvr>
+  <p:timing>
+    <p:tnLst>
+      <p:par>
+        <p:cTn id="1" dur="indefinite" restart="never" nodeType="tmRoot"/>
+      </p:par>
+    </p:tnLst>
+  </p:timing>
 </p:sld>
 </file>
 
@@ -29733,6 +30322,13 @@
   <p:clrMapOvr>
     <a:masterClrMapping/>
   </p:clrMapOvr>
+  <p:timing>
+    <p:tnLst>
+      <p:par>
+        <p:cTn id="1" dur="indefinite" restart="never" nodeType="tmRoot"/>
+      </p:par>
+    </p:tnLst>
+  </p:timing>
 </p:sld>
 </file>
 
@@ -29851,6 +30447,13 @@
   <p:clrMapOvr>
     <a:masterClrMapping/>
   </p:clrMapOvr>
+  <p:timing>
+    <p:tnLst>
+      <p:par>
+        <p:cTn id="1" dur="indefinite" restart="never" nodeType="tmRoot"/>
+      </p:par>
+    </p:tnLst>
+  </p:timing>
 </p:sld>
 </file>
 
@@ -29979,6 +30582,13 @@
   <p:clrMapOvr>
     <a:masterClrMapping/>
   </p:clrMapOvr>
+  <p:timing>
+    <p:tnLst>
+      <p:par>
+        <p:cTn id="1" dur="indefinite" restart="never" nodeType="tmRoot"/>
+      </p:par>
+    </p:tnLst>
+  </p:timing>
 </p:sld>
 </file>
 
@@ -30116,6 +30726,13 @@
   <p:clrMapOvr>
     <a:masterClrMapping/>
   </p:clrMapOvr>
+  <p:timing>
+    <p:tnLst>
+      <p:par>
+        <p:cTn id="1" dur="indefinite" restart="never" nodeType="tmRoot"/>
+      </p:par>
+    </p:tnLst>
+  </p:timing>
 </p:sld>
 </file>
 
@@ -30277,6 +30894,70 @@
           </a:p>
         </p:txBody>
       </p:sp>
+      <p:pic>
+        <p:nvPicPr>
+          <p:cNvPr id="1026" name="Picture 2"/>
+          <p:cNvPicPr>
+            <a:picLocks noChangeAspect="1" noChangeArrowheads="1"/>
+          </p:cNvPicPr>
+          <p:nvPr/>
+        </p:nvPicPr>
+        <p:blipFill>
+          <a:blip r:embed="rId3" cstate="print">
+            <a:extLst>
+              <a:ext uri="{28A0092B-C50C-407E-A947-70E740481C1C}">
+                <a14:useLocalDpi xmlns:a14="http://schemas.microsoft.com/office/drawing/2010/main" val="0"/>
+              </a:ext>
+            </a:extLst>
+          </a:blip>
+          <a:srcRect/>
+          <a:stretch>
+            <a:fillRect/>
+          </a:stretch>
+        </p:blipFill>
+        <p:spPr bwMode="auto">
+          <a:xfrm>
+            <a:off x="6284336" y="3645024"/>
+            <a:ext cx="1708312" cy="2542853"/>
+          </a:xfrm>
+          <a:prstGeom prst="rect">
+            <a:avLst/>
+          </a:prstGeom>
+          <a:noFill/>
+          <a:ln>
+            <a:noFill/>
+          </a:ln>
+          <a:effectLst/>
+          <a:extLst>
+            <a:ext uri="{909E8E84-426E-40DD-AFC4-6F175D3DCCD1}">
+              <a14:hiddenFill xmlns:a14="http://schemas.microsoft.com/office/drawing/2010/main">
+                <a:solidFill>
+                  <a:schemeClr val="accent1"/>
+                </a:solidFill>
+              </a14:hiddenFill>
+            </a:ext>
+            <a:ext uri="{91240B29-F687-4F45-9708-019B960494DF}">
+              <a14:hiddenLine xmlns:a14="http://schemas.microsoft.com/office/drawing/2010/main" w="9525">
+                <a:solidFill>
+                  <a:schemeClr val="tx1"/>
+                </a:solidFill>
+                <a:miter lim="800000"/>
+                <a:headEnd/>
+                <a:tailEnd/>
+              </a14:hiddenLine>
+            </a:ext>
+            <a:ext uri="{AF507438-7753-43E0-B8FC-AC1667EBCBE1}">
+              <a14:hiddenEffects xmlns:a14="http://schemas.microsoft.com/office/drawing/2010/main">
+                <a:effectLst>
+                  <a:outerShdw dist="35921" dir="2700000" algn="ctr" rotWithShape="0">
+                    <a:schemeClr val="bg2"/>
+                  </a:outerShdw>
+                </a:effectLst>
+              </a14:hiddenEffects>
+            </a:ext>
+          </a:extLst>
+        </p:spPr>
+      </p:pic>
     </p:spTree>
     <p:extLst>
       <p:ext uri="{BB962C8B-B14F-4D97-AF65-F5344CB8AC3E}">
@@ -30287,6 +30968,13 @@
   <p:clrMapOvr>
     <a:masterClrMapping/>
   </p:clrMapOvr>
+  <p:timing>
+    <p:tnLst>
+      <p:par>
+        <p:cTn id="1" dur="indefinite" restart="never" nodeType="tmRoot"/>
+      </p:par>
+    </p:tnLst>
+  </p:timing>
 </p:sld>
 </file>
 
